--- a/lecture-slides/2020-02-20-oop.pptx
+++ b/lecture-slides/2020-02-20-oop.pptx
@@ -9,14 +9,14 @@
   </p:notesMasterIdLst>
   <p:sldIdLst>
     <p:sldId id="305" r:id="rId2"/>
-    <p:sldId id="916" r:id="rId3"/>
-    <p:sldId id="757" r:id="rId4"/>
-    <p:sldId id="898" r:id="rId5"/>
-    <p:sldId id="911" r:id="rId6"/>
-    <p:sldId id="912" r:id="rId7"/>
-    <p:sldId id="913" r:id="rId8"/>
-    <p:sldId id="914" r:id="rId9"/>
-    <p:sldId id="915" r:id="rId10"/>
+    <p:sldId id="757" r:id="rId3"/>
+    <p:sldId id="898" r:id="rId4"/>
+    <p:sldId id="911" r:id="rId5"/>
+    <p:sldId id="912" r:id="rId6"/>
+    <p:sldId id="913" r:id="rId7"/>
+    <p:sldId id="914" r:id="rId8"/>
+    <p:sldId id="915" r:id="rId9"/>
+    <p:sldId id="916" r:id="rId10"/>
     <p:sldId id="917" r:id="rId11"/>
     <p:sldId id="656" r:id="rId12"/>
     <p:sldId id="661" r:id="rId13"/>
@@ -946,13 +946,7 @@
           <a:bodyPr/>
           <a:lstStyle/>
           <a:p>
-            <a:br>
-              <a:rPr lang="en-US" dirty="0"/>
-            </a:br>
-            <a:r>
-              <a:rPr lang="en-US" dirty="0"/>
-              <a:t>Grace period until Monday morning a 6am CT</a:t>
-            </a:r>
+            <a:endParaRPr lang="en-US" dirty="0"/>
           </a:p>
         </p:txBody>
       </p:sp>
@@ -963,7 +957,7 @@
             <a:spLocks noGrp="1"/>
           </p:cNvSpPr>
           <p:nvPr>
-            <p:ph type="sldNum" sz="quarter" idx="5"/>
+            <p:ph type="sldNum" sz="quarter" idx="10"/>
           </p:nvPr>
         </p:nvSpPr>
         <p:spPr/>
@@ -971,18 +965,18 @@
           <a:bodyPr/>
           <a:lstStyle/>
           <a:p>
-            <a:fld id="{35A4D32B-0177-4B34-AE20-6C72705619FE}" type="slidenum">
+            <a:fld id="{5394DE12-7B9B-46AA-AC19-C30A49928B9B}" type="slidenum">
               <a:rPr lang="en-US" smtClean="0"/>
               <a:t>2</a:t>
             </a:fld>
-            <a:endParaRPr lang="en-US"/>
+            <a:endParaRPr lang="en-US" dirty="0"/>
           </a:p>
         </p:txBody>
       </p:sp>
     </p:spTree>
     <p:extLst>
       <p:ext uri="{BB962C8B-B14F-4D97-AF65-F5344CB8AC3E}">
-        <p14:creationId xmlns:p14="http://schemas.microsoft.com/office/powerpoint/2010/main" val="2819735535"/>
+        <p14:creationId xmlns:p14="http://schemas.microsoft.com/office/powerpoint/2010/main" val="2884915907"/>
       </p:ext>
     </p:extLst>
   </p:cSld>
@@ -1036,7 +1030,7 @@
           <a:bodyPr/>
           <a:lstStyle/>
           <a:p>
-            <a:endParaRPr lang="en-US" dirty="0"/>
+            <a:endParaRPr lang="en-US" sz="1000" dirty="0"/>
           </a:p>
         </p:txBody>
       </p:sp>
@@ -1066,7 +1060,7 @@
     </p:spTree>
     <p:extLst>
       <p:ext uri="{BB962C8B-B14F-4D97-AF65-F5344CB8AC3E}">
-        <p14:creationId xmlns:p14="http://schemas.microsoft.com/office/powerpoint/2010/main" val="2884915907"/>
+        <p14:creationId xmlns:p14="http://schemas.microsoft.com/office/powerpoint/2010/main" val="1901315008"/>
       </p:ext>
     </p:extLst>
   </p:cSld>
@@ -1150,7 +1144,7 @@
     </p:spTree>
     <p:extLst>
       <p:ext uri="{BB962C8B-B14F-4D97-AF65-F5344CB8AC3E}">
-        <p14:creationId xmlns:p14="http://schemas.microsoft.com/office/powerpoint/2010/main" val="1901315008"/>
+        <p14:creationId xmlns:p14="http://schemas.microsoft.com/office/powerpoint/2010/main" val="3664166188"/>
       </p:ext>
     </p:extLst>
   </p:cSld>
@@ -1234,7 +1228,7 @@
     </p:spTree>
     <p:extLst>
       <p:ext uri="{BB962C8B-B14F-4D97-AF65-F5344CB8AC3E}">
-        <p14:creationId xmlns:p14="http://schemas.microsoft.com/office/powerpoint/2010/main" val="3664166188"/>
+        <p14:creationId xmlns:p14="http://schemas.microsoft.com/office/powerpoint/2010/main" val="1192607748"/>
       </p:ext>
     </p:extLst>
   </p:cSld>
@@ -1318,7 +1312,7 @@
     </p:spTree>
     <p:extLst>
       <p:ext uri="{BB962C8B-B14F-4D97-AF65-F5344CB8AC3E}">
-        <p14:creationId xmlns:p14="http://schemas.microsoft.com/office/powerpoint/2010/main" val="1192607748"/>
+        <p14:creationId xmlns:p14="http://schemas.microsoft.com/office/powerpoint/2010/main" val="692693102"/>
       </p:ext>
     </p:extLst>
   </p:cSld>
@@ -1402,7 +1396,7 @@
     </p:spTree>
     <p:extLst>
       <p:ext uri="{BB962C8B-B14F-4D97-AF65-F5344CB8AC3E}">
-        <p14:creationId xmlns:p14="http://schemas.microsoft.com/office/powerpoint/2010/main" val="692693102"/>
+        <p14:creationId xmlns:p14="http://schemas.microsoft.com/office/powerpoint/2010/main" val="1460508810"/>
       </p:ext>
     </p:extLst>
   </p:cSld>
@@ -1486,7 +1480,7 @@
     </p:spTree>
     <p:extLst>
       <p:ext uri="{BB962C8B-B14F-4D97-AF65-F5344CB8AC3E}">
-        <p14:creationId xmlns:p14="http://schemas.microsoft.com/office/powerpoint/2010/main" val="1460508810"/>
+        <p14:creationId xmlns:p14="http://schemas.microsoft.com/office/powerpoint/2010/main" val="438824734"/>
       </p:ext>
     </p:extLst>
   </p:cSld>
@@ -1540,7 +1534,13 @@
           <a:bodyPr/>
           <a:lstStyle/>
           <a:p>
-            <a:endParaRPr lang="en-US" sz="1000" dirty="0"/>
+            <a:br>
+              <a:rPr lang="en-US" dirty="0"/>
+            </a:br>
+            <a:r>
+              <a:rPr lang="en-US" dirty="0"/>
+              <a:t>Grace period until Monday morning a 6am CT</a:t>
+            </a:r>
           </a:p>
         </p:txBody>
       </p:sp>
@@ -1551,7 +1551,7 @@
             <a:spLocks noGrp="1"/>
           </p:cNvSpPr>
           <p:nvPr>
-            <p:ph type="sldNum" sz="quarter" idx="10"/>
+            <p:ph type="sldNum" sz="quarter" idx="5"/>
           </p:nvPr>
         </p:nvSpPr>
         <p:spPr/>
@@ -1559,18 +1559,18 @@
           <a:bodyPr/>
           <a:lstStyle/>
           <a:p>
-            <a:fld id="{5394DE12-7B9B-46AA-AC19-C30A49928B9B}" type="slidenum">
+            <a:fld id="{35A4D32B-0177-4B34-AE20-6C72705619FE}" type="slidenum">
               <a:rPr lang="en-US" smtClean="0"/>
               <a:t>9</a:t>
             </a:fld>
-            <a:endParaRPr lang="en-US" dirty="0"/>
+            <a:endParaRPr lang="en-US"/>
           </a:p>
         </p:txBody>
       </p:sp>
     </p:spTree>
     <p:extLst>
       <p:ext uri="{BB962C8B-B14F-4D97-AF65-F5344CB8AC3E}">
-        <p14:creationId xmlns:p14="http://schemas.microsoft.com/office/powerpoint/2010/main" val="438824734"/>
+        <p14:creationId xmlns:p14="http://schemas.microsoft.com/office/powerpoint/2010/main" val="2196322856"/>
       </p:ext>
     </p:extLst>
   </p:cSld>
@@ -4894,7 +4894,7 @@
             </a:pPr>
             <a:r>
               <a:rPr lang="en-US" sz="2000" dirty="0"/>
-              <a:t>Prework &amp; Announcements</a:t>
+              <a:t>Friendly Conversation Topic</a:t>
             </a:r>
           </a:p>
           <a:p>
@@ -4904,7 +4904,7 @@
             </a:pPr>
             <a:r>
               <a:rPr lang="en-US" sz="2000" dirty="0"/>
-              <a:t>Friendly Conversation Topic</a:t>
+              <a:t>Prework &amp; Announcements</a:t>
             </a:r>
           </a:p>
           <a:p>
@@ -5646,92 +5646,37 @@
       </p:grpSpPr>
       <p:sp>
         <p:nvSpPr>
-          <p:cNvPr id="2" name="Title 1">
-            <a:extLst>
-              <a:ext uri="{FF2B5EF4-FFF2-40B4-BE49-F238E27FC236}">
-                <a16:creationId xmlns:a16="http://schemas.microsoft.com/office/drawing/2014/main" id="{2A5755BE-860E-40EB-ADA6-6E82BCB49EC3}"/>
-              </a:ext>
-            </a:extLst>
-          </p:cNvPr>
-          <p:cNvSpPr>
-            <a:spLocks noGrp="1"/>
-          </p:cNvSpPr>
-          <p:nvPr>
-            <p:ph type="title"/>
-          </p:nvPr>
-        </p:nvSpPr>
-        <p:spPr/>
-        <p:txBody>
-          <a:bodyPr/>
-          <a:lstStyle/>
-          <a:p>
-            <a:r>
-              <a:rPr lang="en-US" dirty="0"/>
-              <a:t>Prework &amp; Announcements</a:t>
-            </a:r>
-          </a:p>
-        </p:txBody>
-      </p:sp>
-      <p:sp>
-        <p:nvSpPr>
-          <p:cNvPr id="3" name="Content Placeholder 2">
-            <a:extLst>
-              <a:ext uri="{FF2B5EF4-FFF2-40B4-BE49-F238E27FC236}">
-                <a16:creationId xmlns:a16="http://schemas.microsoft.com/office/drawing/2014/main" id="{72EF5DE0-5958-4171-A9E3-3D288A31AC3F}"/>
-              </a:ext>
-            </a:extLst>
-          </p:cNvPr>
-          <p:cNvSpPr>
-            <a:spLocks noGrp="1"/>
-          </p:cNvSpPr>
-          <p:nvPr>
-            <p:ph idx="1"/>
+          <p:cNvPr id="2" name="Title 1"/>
+          <p:cNvSpPr>
+            <a:spLocks noGrp="1"/>
+          </p:cNvSpPr>
+          <p:nvPr>
+            <p:ph type="ctrTitle"/>
           </p:nvPr>
         </p:nvSpPr>
         <p:spPr>
           <a:xfrm>
-            <a:off x="838200" y="1654444"/>
-            <a:ext cx="10515600" cy="4522519"/>
+            <a:off x="1524000" y="3051480"/>
+            <a:ext cx="9144000" cy="755040"/>
           </a:xfrm>
         </p:spPr>
         <p:txBody>
-          <a:bodyPr>
+          <a:bodyPr anchor="ctr">
             <a:normAutofit/>
           </a:bodyPr>
           <a:lstStyle/>
           <a:p>
-            <a:pPr marL="0" indent="0">
-              <a:buNone/>
-            </a:pPr>
-            <a:r>
-              <a:rPr lang="en-US" sz="2000" dirty="0"/>
-              <a:t>ALL Sprint 3 Assignments &amp; Activity List Items are due Sunday.</a:t>
-            </a:r>
-          </a:p>
-          <a:p>
-            <a:pPr marL="0" indent="0">
-              <a:buNone/>
-            </a:pPr>
-            <a:r>
-              <a:rPr lang="en-US" sz="2000" dirty="0" err="1"/>
-              <a:t>FaceDraw</a:t>
-            </a:r>
-            <a:r>
-              <a:rPr lang="en-US" sz="2000" dirty="0"/>
-              <a:t> v2 complete by the start of class on Thursday, February 20</a:t>
-            </a:r>
-            <a:r>
-              <a:rPr lang="en-US" sz="2000" baseline="30000" dirty="0"/>
-              <a:t>th</a:t>
-            </a:r>
-            <a:endParaRPr lang="en-US" sz="2000" dirty="0"/>
+            <a:r>
+              <a:rPr lang="en-US" sz="4800" dirty="0"/>
+              <a:t>Friendly Conversation Topic</a:t>
+            </a:r>
           </a:p>
         </p:txBody>
       </p:sp>
     </p:spTree>
     <p:extLst>
       <p:ext uri="{BB962C8B-B14F-4D97-AF65-F5344CB8AC3E}">
-        <p14:creationId xmlns:p14="http://schemas.microsoft.com/office/powerpoint/2010/main" val="2543835512"/>
+        <p14:creationId xmlns:p14="http://schemas.microsoft.com/office/powerpoint/2010/main" val="1083335476"/>
       </p:ext>
     </p:extLst>
   </p:cSld>
@@ -5770,65 +5715,6 @@
         </p:nvSpPr>
         <p:spPr>
           <a:xfrm>
-            <a:off x="1524000" y="3051480"/>
-            <a:ext cx="9144000" cy="755040"/>
-          </a:xfrm>
-        </p:spPr>
-        <p:txBody>
-          <a:bodyPr anchor="ctr">
-            <a:normAutofit/>
-          </a:bodyPr>
-          <a:lstStyle/>
-          <a:p>
-            <a:r>
-              <a:rPr lang="en-US" sz="4800" dirty="0"/>
-              <a:t>Friendly Conversation Topic</a:t>
-            </a:r>
-          </a:p>
-        </p:txBody>
-      </p:sp>
-    </p:spTree>
-    <p:extLst>
-      <p:ext uri="{BB962C8B-B14F-4D97-AF65-F5344CB8AC3E}">
-        <p14:creationId xmlns:p14="http://schemas.microsoft.com/office/powerpoint/2010/main" val="1083335476"/>
-      </p:ext>
-    </p:extLst>
-  </p:cSld>
-  <p:clrMapOvr>
-    <a:masterClrMapping/>
-  </p:clrMapOvr>
-</p:sld>
-</file>
-
-<file path=ppt/slides/slide4.xml><?xml version="1.0" encoding="utf-8"?>
-<p:sld xmlns:a="http://schemas.openxmlformats.org/drawingml/2006/main" xmlns:r="http://schemas.openxmlformats.org/officeDocument/2006/relationships" xmlns:p="http://schemas.openxmlformats.org/presentationml/2006/main">
-  <p:cSld>
-    <p:spTree>
-      <p:nvGrpSpPr>
-        <p:cNvPr id="1" name=""/>
-        <p:cNvGrpSpPr/>
-        <p:nvPr/>
-      </p:nvGrpSpPr>
-      <p:grpSpPr>
-        <a:xfrm>
-          <a:off x="0" y="0"/>
-          <a:ext cx="0" cy="0"/>
-          <a:chOff x="0" y="0"/>
-          <a:chExt cx="0" cy="0"/>
-        </a:xfrm>
-      </p:grpSpPr>
-      <p:sp>
-        <p:nvSpPr>
-          <p:cNvPr id="2" name="Title 1"/>
-          <p:cNvSpPr>
-            <a:spLocks noGrp="1"/>
-          </p:cNvSpPr>
-          <p:nvPr>
-            <p:ph type="ctrTitle"/>
-          </p:nvPr>
-        </p:nvSpPr>
-        <p:spPr>
-          <a:xfrm>
             <a:off x="1524000" y="3025490"/>
             <a:ext cx="9144000" cy="807019"/>
           </a:xfrm>
@@ -5864,7 +5750,7 @@
 </p:sld>
 </file>
 
-<file path=ppt/slides/slide5.xml><?xml version="1.0" encoding="utf-8"?>
+<file path=ppt/slides/slide4.xml><?xml version="1.0" encoding="utf-8"?>
 <p:sld xmlns:a="http://schemas.openxmlformats.org/drawingml/2006/main" xmlns:r="http://schemas.openxmlformats.org/officeDocument/2006/relationships" xmlns:p="http://schemas.openxmlformats.org/presentationml/2006/main">
   <p:cSld>
     <p:spTree>
@@ -6359,7 +6245,7 @@
 </p:sld>
 </file>
 
-<file path=ppt/slides/slide6.xml><?xml version="1.0" encoding="utf-8"?>
+<file path=ppt/slides/slide5.xml><?xml version="1.0" encoding="utf-8"?>
 <p:sld xmlns:a="http://schemas.openxmlformats.org/drawingml/2006/main" xmlns:r="http://schemas.openxmlformats.org/officeDocument/2006/relationships" xmlns:p="http://schemas.openxmlformats.org/presentationml/2006/main">
   <p:cSld>
     <p:spTree>
@@ -6809,7 +6695,7 @@
 </p:sld>
 </file>
 
-<file path=ppt/slides/slide7.xml><?xml version="1.0" encoding="utf-8"?>
+<file path=ppt/slides/slide6.xml><?xml version="1.0" encoding="utf-8"?>
 <p:sld xmlns:a="http://schemas.openxmlformats.org/drawingml/2006/main" xmlns:r="http://schemas.openxmlformats.org/officeDocument/2006/relationships" xmlns:p="http://schemas.openxmlformats.org/presentationml/2006/main">
   <p:cSld>
     <p:spTree>
@@ -7277,7 +7163,7 @@
 </p:sld>
 </file>
 
-<file path=ppt/slides/slide8.xml><?xml version="1.0" encoding="utf-8"?>
+<file path=ppt/slides/slide7.xml><?xml version="1.0" encoding="utf-8"?>
 <p:sld xmlns:a="http://schemas.openxmlformats.org/drawingml/2006/main" xmlns:r="http://schemas.openxmlformats.org/officeDocument/2006/relationships" xmlns:p="http://schemas.openxmlformats.org/presentationml/2006/main">
   <p:cSld>
     <p:spTree>
@@ -7736,7 +7622,7 @@
 </p:sld>
 </file>
 
-<file path=ppt/slides/slide9.xml><?xml version="1.0" encoding="utf-8"?>
+<file path=ppt/slides/slide8.xml><?xml version="1.0" encoding="utf-8"?>
 <p:sld xmlns:a="http://schemas.openxmlformats.org/drawingml/2006/main" xmlns:r="http://schemas.openxmlformats.org/officeDocument/2006/relationships" xmlns:p="http://schemas.openxmlformats.org/presentationml/2006/main" show="0">
   <p:cSld>
     <p:spTree>
@@ -8232,6 +8118,120 @@
     <p:extLst>
       <p:ext uri="{BB962C8B-B14F-4D97-AF65-F5344CB8AC3E}">
         <p14:creationId xmlns:p14="http://schemas.microsoft.com/office/powerpoint/2010/main" val="2355008310"/>
+      </p:ext>
+    </p:extLst>
+  </p:cSld>
+  <p:clrMapOvr>
+    <a:masterClrMapping/>
+  </p:clrMapOvr>
+</p:sld>
+</file>
+
+<file path=ppt/slides/slide9.xml><?xml version="1.0" encoding="utf-8"?>
+<p:sld xmlns:a="http://schemas.openxmlformats.org/drawingml/2006/main" xmlns:r="http://schemas.openxmlformats.org/officeDocument/2006/relationships" xmlns:p="http://schemas.openxmlformats.org/presentationml/2006/main">
+  <p:cSld>
+    <p:spTree>
+      <p:nvGrpSpPr>
+        <p:cNvPr id="1" name=""/>
+        <p:cNvGrpSpPr/>
+        <p:nvPr/>
+      </p:nvGrpSpPr>
+      <p:grpSpPr>
+        <a:xfrm>
+          <a:off x="0" y="0"/>
+          <a:ext cx="0" cy="0"/>
+          <a:chOff x="0" y="0"/>
+          <a:chExt cx="0" cy="0"/>
+        </a:xfrm>
+      </p:grpSpPr>
+      <p:sp>
+        <p:nvSpPr>
+          <p:cNvPr id="2" name="Title 1">
+            <a:extLst>
+              <a:ext uri="{FF2B5EF4-FFF2-40B4-BE49-F238E27FC236}">
+                <a16:creationId xmlns:a16="http://schemas.microsoft.com/office/drawing/2014/main" id="{2A5755BE-860E-40EB-ADA6-6E82BCB49EC3}"/>
+              </a:ext>
+            </a:extLst>
+          </p:cNvPr>
+          <p:cNvSpPr>
+            <a:spLocks noGrp="1"/>
+          </p:cNvSpPr>
+          <p:nvPr>
+            <p:ph type="title"/>
+          </p:nvPr>
+        </p:nvSpPr>
+        <p:spPr/>
+        <p:txBody>
+          <a:bodyPr/>
+          <a:lstStyle/>
+          <a:p>
+            <a:r>
+              <a:rPr lang="en-US" dirty="0"/>
+              <a:t>Prework &amp; Announcements</a:t>
+            </a:r>
+          </a:p>
+        </p:txBody>
+      </p:sp>
+      <p:sp>
+        <p:nvSpPr>
+          <p:cNvPr id="3" name="Content Placeholder 2">
+            <a:extLst>
+              <a:ext uri="{FF2B5EF4-FFF2-40B4-BE49-F238E27FC236}">
+                <a16:creationId xmlns:a16="http://schemas.microsoft.com/office/drawing/2014/main" id="{72EF5DE0-5958-4171-A9E3-3D288A31AC3F}"/>
+              </a:ext>
+            </a:extLst>
+          </p:cNvPr>
+          <p:cNvSpPr>
+            <a:spLocks noGrp="1"/>
+          </p:cNvSpPr>
+          <p:nvPr>
+            <p:ph idx="1"/>
+          </p:nvPr>
+        </p:nvSpPr>
+        <p:spPr>
+          <a:xfrm>
+            <a:off x="838200" y="1654444"/>
+            <a:ext cx="10515600" cy="4522519"/>
+          </a:xfrm>
+        </p:spPr>
+        <p:txBody>
+          <a:bodyPr>
+            <a:normAutofit/>
+          </a:bodyPr>
+          <a:lstStyle/>
+          <a:p>
+            <a:pPr marL="0" indent="0">
+              <a:buNone/>
+            </a:pPr>
+            <a:r>
+              <a:rPr lang="en-US" sz="2000" dirty="0"/>
+              <a:t>ALL Sprint 3 Assignments &amp; Activity List Items are due Sunday.</a:t>
+            </a:r>
+          </a:p>
+          <a:p>
+            <a:pPr marL="0" indent="0">
+              <a:buNone/>
+            </a:pPr>
+            <a:r>
+              <a:rPr lang="en-US" sz="2000" dirty="0" err="1"/>
+              <a:t>FaceDraw</a:t>
+            </a:r>
+            <a:r>
+              <a:rPr lang="en-US" sz="2000" dirty="0"/>
+              <a:t> v2 complete by the start of class on Thursday, February 20</a:t>
+            </a:r>
+            <a:r>
+              <a:rPr lang="en-US" sz="2000" baseline="30000" dirty="0"/>
+              <a:t>th</a:t>
+            </a:r>
+            <a:endParaRPr lang="en-US" sz="2000" dirty="0"/>
+          </a:p>
+        </p:txBody>
+      </p:sp>
+    </p:spTree>
+    <p:extLst>
+      <p:ext uri="{BB962C8B-B14F-4D97-AF65-F5344CB8AC3E}">
+        <p14:creationId xmlns:p14="http://schemas.microsoft.com/office/powerpoint/2010/main" val="2108816706"/>
       </p:ext>
     </p:extLst>
   </p:cSld>
